--- a/images/New Microsoft PowerPoint Presentation.pptx
+++ b/images/New Microsoft PowerPoint Presentation.pptx
@@ -3097,6 +3097,14 @@
           <a:prstGeom prst="rect">
             <a:avLst/>
           </a:prstGeom>
+          <a:ln w="3175">
+            <a:solidFill>
+              <a:schemeClr val="tx1">
+                <a:lumMod val="50000"/>
+                <a:lumOff val="50000"/>
+              </a:schemeClr>
+            </a:solidFill>
+          </a:ln>
         </p:spPr>
       </p:pic>
     </p:spTree>

--- a/images/New Microsoft PowerPoint Presentation.pptx
+++ b/images/New Microsoft PowerPoint Presentation.pptx
@@ -3092,7 +3092,7 @@
         <p:spPr>
           <a:xfrm>
             <a:off x="245621" y="-345297"/>
-            <a:ext cx="2242223" cy="940610"/>
+            <a:ext cx="2287634" cy="959660"/>
           </a:xfrm>
           <a:prstGeom prst="rect">
             <a:avLst/>

--- a/images/New Microsoft PowerPoint Presentation.pptx
+++ b/images/New Microsoft PowerPoint Presentation.pptx
@@ -3091,8 +3091,52 @@
         </p:blipFill>
         <p:spPr>
           <a:xfrm>
-            <a:off x="245621" y="-345297"/>
-            <a:ext cx="2287634" cy="959660"/>
+            <a:off x="190852" y="-561992"/>
+            <a:ext cx="2304698" cy="966818"/>
+          </a:xfrm>
+          <a:prstGeom prst="rect">
+            <a:avLst/>
+          </a:prstGeom>
+          <a:ln w="3175">
+            <a:solidFill>
+              <a:schemeClr val="tx1">
+                <a:lumMod val="50000"/>
+                <a:lumOff val="50000"/>
+              </a:schemeClr>
+            </a:solidFill>
+          </a:ln>
+        </p:spPr>
+      </p:pic>
+      <p:pic>
+        <p:nvPicPr>
+          <p:cNvPr id="5" name="Picture 4" descr="Diagram&#10;&#10;Description automatically generated with medium confidence">
+            <a:extLst>
+              <a:ext uri="{FF2B5EF4-FFF2-40B4-BE49-F238E27FC236}">
+                <a16:creationId xmlns:a16="http://schemas.microsoft.com/office/drawing/2014/main" id="{2AC95536-304B-32CA-9F46-B77FE864A5A2}"/>
+              </a:ext>
+            </a:extLst>
+          </p:cNvPr>
+          <p:cNvPicPr>
+            <a:picLocks noChangeAspect="1"/>
+          </p:cNvPicPr>
+          <p:nvPr/>
+        </p:nvPicPr>
+        <p:blipFill>
+          <a:blip r:embed="rId5">
+            <a:extLst>
+              <a:ext uri="{28A0092B-C50C-407E-A947-70E740481C1C}">
+                <a14:useLocalDpi xmlns:a14="http://schemas.microsoft.com/office/drawing/2010/main" val="0"/>
+              </a:ext>
+            </a:extLst>
+          </a:blip>
+          <a:stretch>
+            <a:fillRect/>
+          </a:stretch>
+        </p:blipFill>
+        <p:spPr>
+          <a:xfrm>
+            <a:off x="431110" y="672810"/>
+            <a:ext cx="2240141" cy="1136940"/>
           </a:xfrm>
           <a:prstGeom prst="rect">
             <a:avLst/>

--- a/images/New Microsoft PowerPoint Presentation.pptx
+++ b/images/New Microsoft PowerPoint Presentation.pptx
@@ -3135,8 +3135,46 @@
         </p:blipFill>
         <p:spPr>
           <a:xfrm>
-            <a:off x="431110" y="672810"/>
+            <a:off x="-1932959" y="-601159"/>
             <a:ext cx="2240141" cy="1136940"/>
+          </a:xfrm>
+          <a:prstGeom prst="rect">
+            <a:avLst/>
+          </a:prstGeom>
+          <a:ln w="3175">
+            <a:solidFill>
+              <a:schemeClr val="tx1">
+                <a:lumMod val="50000"/>
+                <a:lumOff val="50000"/>
+              </a:schemeClr>
+            </a:solidFill>
+          </a:ln>
+        </p:spPr>
+      </p:pic>
+      <p:pic>
+        <p:nvPicPr>
+          <p:cNvPr id="3" name="Picture 2">
+            <a:extLst>
+              <a:ext uri="{FF2B5EF4-FFF2-40B4-BE49-F238E27FC236}">
+                <a16:creationId xmlns:a16="http://schemas.microsoft.com/office/drawing/2014/main" id="{2CD925E8-9FF0-D892-BD10-1635208F3985}"/>
+              </a:ext>
+            </a:extLst>
+          </p:cNvPr>
+          <p:cNvPicPr>
+            <a:picLocks noChangeAspect="1"/>
+          </p:cNvPicPr>
+          <p:nvPr/>
+        </p:nvPicPr>
+        <p:blipFill>
+          <a:blip r:embed="rId6"/>
+          <a:stretch>
+            <a:fillRect/>
+          </a:stretch>
+        </p:blipFill>
+        <p:spPr>
+          <a:xfrm>
+            <a:off x="447674" y="553531"/>
+            <a:ext cx="2188166" cy="966817"/>
           </a:xfrm>
           <a:prstGeom prst="rect">
             <a:avLst/>
